--- a/notes/24_wikidata/freebase.pptx
+++ b/notes/24_wikidata/freebase.pptx
@@ -313,7 +313,7 @@
           <a:p>
             <a:fld id="{FAD3FFF0-2052-CD4E-8BFA-FAA57187F065}" type="datetimeFigureOut">
               <a:rPr lang="en-US" smtClean="0"/>
-              <a:t>5/30/19</a:t>
+              <a:t>11/20/19</a:t>
             </a:fld>
             <a:endParaRPr lang="en-US"/>
           </a:p>
@@ -481,7 +481,7 @@
           <a:p>
             <a:fld id="{FAD3FFF0-2052-CD4E-8BFA-FAA57187F065}" type="datetimeFigureOut">
               <a:rPr lang="en-US" smtClean="0"/>
-              <a:t>5/30/19</a:t>
+              <a:t>11/20/19</a:t>
             </a:fld>
             <a:endParaRPr lang="en-US"/>
           </a:p>
@@ -659,7 +659,7 @@
           <a:p>
             <a:fld id="{FAD3FFF0-2052-CD4E-8BFA-FAA57187F065}" type="datetimeFigureOut">
               <a:rPr lang="en-US" smtClean="0"/>
-              <a:t>5/30/19</a:t>
+              <a:t>11/20/19</a:t>
             </a:fld>
             <a:endParaRPr lang="en-US"/>
           </a:p>
@@ -827,7 +827,7 @@
           <a:p>
             <a:fld id="{FAD3FFF0-2052-CD4E-8BFA-FAA57187F065}" type="datetimeFigureOut">
               <a:rPr lang="en-US" smtClean="0"/>
-              <a:t>5/30/19</a:t>
+              <a:t>11/20/19</a:t>
             </a:fld>
             <a:endParaRPr lang="en-US"/>
           </a:p>
@@ -1072,7 +1072,7 @@
           <a:p>
             <a:fld id="{FAD3FFF0-2052-CD4E-8BFA-FAA57187F065}" type="datetimeFigureOut">
               <a:rPr lang="en-US" smtClean="0"/>
-              <a:t>5/30/19</a:t>
+              <a:t>11/20/19</a:t>
             </a:fld>
             <a:endParaRPr lang="en-US"/>
           </a:p>
@@ -1357,7 +1357,7 @@
           <a:p>
             <a:fld id="{FAD3FFF0-2052-CD4E-8BFA-FAA57187F065}" type="datetimeFigureOut">
               <a:rPr lang="en-US" smtClean="0"/>
-              <a:t>5/30/19</a:t>
+              <a:t>11/20/19</a:t>
             </a:fld>
             <a:endParaRPr lang="en-US"/>
           </a:p>
@@ -1776,7 +1776,7 @@
           <a:p>
             <a:fld id="{FAD3FFF0-2052-CD4E-8BFA-FAA57187F065}" type="datetimeFigureOut">
               <a:rPr lang="en-US" smtClean="0"/>
-              <a:t>5/30/19</a:t>
+              <a:t>11/20/19</a:t>
             </a:fld>
             <a:endParaRPr lang="en-US"/>
           </a:p>
@@ -1893,7 +1893,7 @@
           <a:p>
             <a:fld id="{FAD3FFF0-2052-CD4E-8BFA-FAA57187F065}" type="datetimeFigureOut">
               <a:rPr lang="en-US" smtClean="0"/>
-              <a:t>5/30/19</a:t>
+              <a:t>11/20/19</a:t>
             </a:fld>
             <a:endParaRPr lang="en-US"/>
           </a:p>
@@ -1988,7 +1988,7 @@
           <a:p>
             <a:fld id="{FAD3FFF0-2052-CD4E-8BFA-FAA57187F065}" type="datetimeFigureOut">
               <a:rPr lang="en-US" smtClean="0"/>
-              <a:t>5/30/19</a:t>
+              <a:t>11/20/19</a:t>
             </a:fld>
             <a:endParaRPr lang="en-US"/>
           </a:p>
@@ -2263,7 +2263,7 @@
           <a:p>
             <a:fld id="{FAD3FFF0-2052-CD4E-8BFA-FAA57187F065}" type="datetimeFigureOut">
               <a:rPr lang="en-US" smtClean="0"/>
-              <a:t>5/30/19</a:t>
+              <a:t>11/20/19</a:t>
             </a:fld>
             <a:endParaRPr lang="en-US"/>
           </a:p>
@@ -2515,7 +2515,7 @@
           <a:p>
             <a:fld id="{FAD3FFF0-2052-CD4E-8BFA-FAA57187F065}" type="datetimeFigureOut">
               <a:rPr lang="en-US" smtClean="0"/>
-              <a:t>5/30/19</a:t>
+              <a:t>11/20/19</a:t>
             </a:fld>
             <a:endParaRPr lang="en-US"/>
           </a:p>
@@ -2726,7 +2726,7 @@
           <a:p>
             <a:fld id="{FAD3FFF0-2052-CD4E-8BFA-FAA57187F065}" type="datetimeFigureOut">
               <a:rPr lang="en-US" smtClean="0"/>
-              <a:t>5/30/19</a:t>
+              <a:t>11/20/19</a:t>
             </a:fld>
             <a:endParaRPr lang="en-US"/>
           </a:p>
@@ -3940,7 +3940,7 @@
           <a:lstStyle/>
           <a:p>
             <a:r>
-              <a:rPr lang="en-US" dirty="0"/>
+              <a:rPr lang="en-US" b="1" dirty="0"/>
               <a:t>Is it the Google knowledge graph?</a:t>
             </a:r>
           </a:p>
@@ -4064,15 +4064,25 @@
             <p:ph type="title"/>
           </p:nvPr>
         </p:nvSpPr>
-        <p:spPr/>
-        <p:txBody>
-          <a:bodyPr/>
-          <a:lstStyle/>
-          <a:p>
-            <a:r>
-              <a:rPr lang="en-US" dirty="0"/>
+        <p:spPr>
+          <a:xfrm>
+            <a:off x="457200" y="274638"/>
+            <a:ext cx="5106318" cy="1143000"/>
+          </a:xfrm>
+        </p:spPr>
+        <p:txBody>
+          <a:bodyPr>
+            <a:normAutofit/>
+          </a:bodyPr>
+          <a:lstStyle/>
+          <a:p>
+            <a:r>
+              <a:rPr lang="en-US" sz="4800" b="1" dirty="0">
+                <a:hlinkClick r:id="rId2"/>
+              </a:rPr>
               <a:t>Freebase</a:t>
             </a:r>
+            <a:endParaRPr lang="en-US" sz="4800" b="1" dirty="0"/>
           </a:p>
         </p:txBody>
       </p:sp>
@@ -4086,7 +4096,12 @@
             <p:ph idx="1"/>
           </p:nvPr>
         </p:nvSpPr>
-        <p:spPr/>
+        <p:spPr>
+          <a:xfrm>
+            <a:off x="457200" y="1600200"/>
+            <a:ext cx="8229600" cy="4983162"/>
+          </a:xfrm>
+        </p:spPr>
         <p:txBody>
           <a:bodyPr>
             <a:normAutofit fontScale="92500" lnSpcReduction="10000"/>
@@ -4094,62 +4109,102 @@
           <a:lstStyle/>
           <a:p>
             <a:r>
-              <a:rPr lang="en-US" dirty="0"/>
+              <a:rPr lang="en-US" sz="3500" dirty="0"/>
               <a:t>Started in 2005 by startup </a:t>
             </a:r>
             <a:r>
-              <a:rPr lang="en-US" dirty="0" err="1"/>
+              <a:rPr lang="en-US" sz="3500" dirty="0" err="1"/>
               <a:t>Metaweb</a:t>
             </a:r>
+            <a:endParaRPr lang="en-US" sz="3500" dirty="0"/>
+          </a:p>
+          <a:p>
+            <a:r>
+              <a:rPr lang="en-US" sz="3500" dirty="0"/>
+              <a:t>Goal: create an “open, shared database of the world's knowledge”</a:t>
+            </a:r>
+          </a:p>
+          <a:p>
+            <a:r>
+              <a:rPr lang="en-US" sz="3500" dirty="0"/>
+              <a:t>Online in 2007</a:t>
+            </a:r>
+          </a:p>
+          <a:p>
+            <a:r>
+              <a:rPr lang="en-US" sz="3500" dirty="0"/>
+              <a:t>Acquired by Google in 2010</a:t>
+            </a:r>
+          </a:p>
+          <a:p>
+            <a:r>
+              <a:rPr lang="en-US" sz="3500" dirty="0"/>
+              <a:t>Read-only in 2014</a:t>
+            </a:r>
+          </a:p>
+          <a:p>
+            <a:r>
+              <a:rPr lang="en-US" sz="3500" dirty="0"/>
+              <a:t>Basis for Google Knowledge Graph</a:t>
+            </a:r>
+          </a:p>
+          <a:p>
+            <a:r>
+              <a:rPr lang="en-US" sz="3500" dirty="0"/>
+              <a:t>Decommissioned in 2016</a:t>
+            </a:r>
+          </a:p>
+          <a:p>
+            <a:r>
+              <a:rPr lang="en-US" sz="3500" dirty="0"/>
+              <a:t>2014 </a:t>
+            </a:r>
+            <a:r>
+              <a:rPr lang="en-US" sz="3500" dirty="0">
+                <a:hlinkClick r:id="rId3"/>
+              </a:rPr>
+              <a:t>dumps</a:t>
+            </a:r>
+            <a:r>
+              <a:rPr lang="en-US" sz="3500" dirty="0"/>
+              <a:t> still available as RDF</a:t>
+            </a:r>
+          </a:p>
+          <a:p>
             <a:endParaRPr lang="en-US" dirty="0"/>
           </a:p>
-          <a:p>
-            <a:r>
-              <a:rPr lang="en-US" dirty="0"/>
-              <a:t>Goal: create an “open, shared database of the world's knowledge”</a:t>
-            </a:r>
-          </a:p>
-          <a:p>
-            <a:r>
-              <a:rPr lang="en-US" dirty="0"/>
-              <a:t>Freebase online in 2007</a:t>
-            </a:r>
-          </a:p>
-          <a:p>
-            <a:r>
-              <a:rPr lang="en-US" dirty="0"/>
-              <a:t>Acquired by Google in 2010</a:t>
-            </a:r>
-          </a:p>
-          <a:p>
-            <a:r>
-              <a:rPr lang="en-US" dirty="0"/>
-              <a:t>Read-only in 2014</a:t>
-            </a:r>
-          </a:p>
-          <a:p>
-            <a:r>
-              <a:rPr lang="en-US" dirty="0"/>
-              <a:t>Absorbed into Google’s Knowledge Graph</a:t>
-            </a:r>
-          </a:p>
-          <a:p>
-            <a:r>
-              <a:rPr lang="en-US" dirty="0"/>
-              <a:t>Decommissioned in 2016</a:t>
-            </a:r>
-          </a:p>
-          <a:p>
-            <a:r>
-              <a:rPr lang="en-US" dirty="0"/>
-              <a:t>2014 dump available as RDF</a:t>
-            </a:r>
-          </a:p>
-          <a:p>
-            <a:endParaRPr lang="en-US" dirty="0"/>
-          </a:p>
-        </p:txBody>
-      </p:sp>
+        </p:txBody>
+      </p:sp>
+      <p:pic>
+        <p:nvPicPr>
+          <p:cNvPr id="7" name="Picture 6" descr="A picture containing drawing&#10;&#10;Description automatically generated">
+            <a:extLst>
+              <a:ext uri="{FF2B5EF4-FFF2-40B4-BE49-F238E27FC236}">
+                <a16:creationId xmlns:a16="http://schemas.microsoft.com/office/drawing/2014/main" id="{3F539A96-494B-1943-9353-E7476B3C7544}"/>
+              </a:ext>
+            </a:extLst>
+          </p:cNvPr>
+          <p:cNvPicPr>
+            <a:picLocks noChangeAspect="1"/>
+          </p:cNvPicPr>
+          <p:nvPr/>
+        </p:nvPicPr>
+        <p:blipFill>
+          <a:blip r:embed="rId4"/>
+          <a:stretch>
+            <a:fillRect/>
+          </a:stretch>
+        </p:blipFill>
+        <p:spPr>
+          <a:xfrm>
+            <a:off x="5382964" y="384206"/>
+            <a:ext cx="3761036" cy="695262"/>
+          </a:xfrm>
+          <a:prstGeom prst="rect">
+            <a:avLst/>
+          </a:prstGeom>
+        </p:spPr>
+      </p:pic>
     </p:spTree>
     <p:extLst>
       <p:ext uri="{BB962C8B-B14F-4D97-AF65-F5344CB8AC3E}">
@@ -4289,7 +4344,12 @@
             <p:ph type="title"/>
           </p:nvPr>
         </p:nvSpPr>
-        <p:spPr/>
+        <p:spPr>
+          <a:xfrm>
+            <a:off x="457200" y="207684"/>
+            <a:ext cx="8229600" cy="1143000"/>
+          </a:xfrm>
+        </p:spPr>
         <p:txBody>
           <a:bodyPr/>
           <a:lstStyle/>
@@ -4313,63 +4373,63 @@
         </p:nvSpPr>
         <p:spPr>
           <a:xfrm>
-            <a:off x="457200" y="1350684"/>
-            <a:ext cx="8440220" cy="5507316"/>
+            <a:off x="457200" y="1101687"/>
+            <a:ext cx="8440220" cy="5548629"/>
           </a:xfrm>
         </p:spPr>
         <p:txBody>
           <a:bodyPr>
-            <a:normAutofit lnSpcReduction="10000"/>
+            <a:normAutofit fontScale="92500" lnSpcReduction="10000"/>
           </a:bodyPr>
           <a:lstStyle/>
           <a:p>
             <a:r>
+              <a:rPr lang="en-US" sz="3600" dirty="0"/>
+              <a:t>Initially populated with Wikipedia data</a:t>
+            </a:r>
+          </a:p>
+          <a:p>
+            <a:pPr marL="460375" lvl="1" indent="-225425"/>
+            <a:r>
               <a:rPr lang="en-US" dirty="0"/>
-              <a:t>Initially populated with Wikipedia data</a:t>
+              <a:t>Crowdsourced updates/additions to schema &amp; data, like Wikipedia</a:t>
             </a:r>
           </a:p>
           <a:p>
             <a:pPr marL="460375" lvl="1" indent="-225425"/>
             <a:r>
-              <a:rPr lang="en-US" sz="2400" dirty="0"/>
-              <a:t>Crowdsourced updates/additions to schema &amp; data, like Wikipedia</a:t>
-            </a:r>
-          </a:p>
-          <a:p>
-            <a:pPr marL="460375" lvl="1" indent="-225425"/>
-            <a:r>
-              <a:rPr lang="en-US" sz="2400" dirty="0"/>
+              <a:rPr lang="en-US" dirty="0"/>
               <a:t>Tools to upload structured data, both schema &amp; data</a:t>
             </a:r>
           </a:p>
           <a:p>
             <a:r>
-              <a:rPr lang="en-US" sz="2800" dirty="0"/>
+              <a:rPr lang="en-US" dirty="0"/>
               <a:t>Focus on data, not text</a:t>
             </a:r>
           </a:p>
           <a:p>
             <a:pPr lvl="1"/>
             <a:r>
-              <a:rPr lang="en-US" sz="2400" dirty="0"/>
+              <a:rPr lang="en-US" dirty="0"/>
               <a:t>Text mostly in the form of short descriptions</a:t>
             </a:r>
           </a:p>
           <a:p>
             <a:r>
-              <a:rPr lang="en-US" sz="2800" dirty="0"/>
+              <a:rPr lang="en-US" dirty="0"/>
               <a:t>Graph based schema, but syntax and semantics different from RDF</a:t>
             </a:r>
           </a:p>
           <a:p>
             <a:r>
-              <a:rPr lang="en-US" sz="2800" dirty="0"/>
-              <a:t>Open source data which could be downloaded  initially in a custom format, later in RDF</a:t>
-            </a:r>
-          </a:p>
-          <a:p>
-            <a:r>
-              <a:rPr lang="en-US" sz="2800" dirty="0"/>
+              <a:rPr lang="en-US" dirty="0"/>
+              <a:t>Open source data that could be downloaded  initially in a custom format, later in RDF</a:t>
+            </a:r>
+          </a:p>
+          <a:p>
+            <a:r>
+              <a:rPr lang="en-US" dirty="0"/>
               <a:t>Business model: sell services using their custom query engine </a:t>
             </a:r>
           </a:p>
@@ -4469,35 +4529,35 @@
           <a:p>
             <a:pPr lvl="1"/>
             <a:r>
+              <a:rPr lang="en-US" sz="2400" dirty="0"/>
+              <a:t>~10,000 types</a:t>
+            </a:r>
+          </a:p>
+          <a:p>
+            <a:pPr lvl="1"/>
+            <a:r>
+              <a:rPr lang="en-US" sz="2400" dirty="0"/>
+              <a:t>~3,500 properties</a:t>
+            </a:r>
+          </a:p>
+          <a:p>
+            <a:pPr lvl="1"/>
+            <a:r>
+              <a:rPr lang="en-US" sz="2400" dirty="0"/>
+              <a:t>~130M entities</a:t>
+            </a:r>
+          </a:p>
+          <a:p>
+            <a:pPr lvl="1"/>
+            <a:r>
+              <a:rPr lang="en-US" sz="2400" dirty="0"/>
+              <a:t>~2B triples</a:t>
+            </a:r>
+          </a:p>
+          <a:p>
+            <a:r>
               <a:rPr lang="en-US" dirty="0"/>
-              <a:t>~1500 types</a:t>
-            </a:r>
-          </a:p>
-          <a:p>
-            <a:pPr lvl="1"/>
-            <a:r>
-              <a:rPr lang="en-US" dirty="0"/>
-              <a:t>~3,500 properties</a:t>
-            </a:r>
-          </a:p>
-          <a:p>
-            <a:pPr lvl="1"/>
-            <a:r>
-              <a:rPr lang="en-US" dirty="0"/>
-              <a:t>~130M entities</a:t>
-            </a:r>
-          </a:p>
-          <a:p>
-            <a:pPr lvl="1"/>
-            <a:r>
-              <a:rPr lang="en-US" dirty="0"/>
-              <a:t>~2B triples</a:t>
-            </a:r>
-          </a:p>
-          <a:p>
-            <a:r>
-              <a:rPr lang="en-US" dirty="0"/>
-              <a:t>Modeled many relations as object to allow more roles, e.g.</a:t>
+              <a:t>Modeled many relations a CVTs= (compound value type) object to allow more roles, e.g.</a:t>
             </a:r>
           </a:p>
           <a:p>
@@ -4640,7 +4700,17 @@
           <a:p>
             <a:r>
               <a:rPr lang="en-US" dirty="0"/>
-              <a:t>A final dump with 1.9B triples in RDF was available from Google </a:t>
+              <a:t>A final dump with 1.9B triples in RDF is </a:t>
+            </a:r>
+            <a:r>
+              <a:rPr lang="en-US" dirty="0">
+                <a:hlinkClick r:id="rId2"/>
+              </a:rPr>
+              <a:t>available</a:t>
+            </a:r>
+            <a:r>
+              <a:rPr lang="en-US" dirty="0"/>
+              <a:t> from Google </a:t>
             </a:r>
           </a:p>
           <a:p>
@@ -4651,7 +4721,7 @@
             </a:r>
             <a:r>
               <a:rPr lang="en-US" dirty="0">
-                <a:hlinkClick r:id="rId2"/>
+                <a:hlinkClick r:id="rId3"/>
               </a:rPr>
               <a:t>http://basekb.com/docs/</a:t>
             </a:r>
@@ -4731,6 +4801,7 @@
           <a:bodyPr/>
           <a:lstStyle/>
           <a:p>
+            <a:pPr algn="l"/>
             <a:r>
               <a:rPr lang="en-US" b="1" dirty="0"/>
               <a:t>Google Knowledge Graph</a:t>
@@ -4748,15 +4819,29 @@
             <p:ph idx="1"/>
           </p:nvPr>
         </p:nvSpPr>
-        <p:spPr/>
-        <p:txBody>
-          <a:bodyPr/>
+        <p:spPr>
+          <a:xfrm>
+            <a:off x="446314" y="1621972"/>
+            <a:ext cx="6672942" cy="5118462"/>
+          </a:xfrm>
+        </p:spPr>
+        <p:txBody>
+          <a:bodyPr>
+            <a:normAutofit/>
+          </a:bodyPr>
           <a:lstStyle/>
           <a:p>
             <a:r>
               <a:rPr lang="en-US" dirty="0"/>
-              <a:t>Freebase was the initial version of the Google knowledge Graph, aka Knowledge Vault</a:t>
-            </a:r>
+              <a:t>Freebase was initial version of  Google knowledge Graph, aka </a:t>
+            </a:r>
+            <a:r>
+              <a:rPr lang="en-US" dirty="0">
+                <a:hlinkClick r:id="rId2"/>
+              </a:rPr>
+              <a:t>Knowledge Vault</a:t>
+            </a:r>
+            <a:endParaRPr lang="en-US" dirty="0"/>
           </a:p>
           <a:p>
             <a:r>
@@ -4775,7 +4860,7 @@
             <a:pPr lvl="1"/>
             <a:r>
               <a:rPr lang="en-US" dirty="0"/>
-              <a:t>Outputs: JSON object with ranked list of entities that match, along with types, short description, ID (= freebase ID)</a:t>
+              <a:t>Output: (JSON) ranked list of entities that match, along with types, short description, ID (= freebase ID)</a:t>
             </a:r>
           </a:p>
           <a:p>
@@ -4791,6 +4876,202 @@
               <a:rPr lang="en-US" dirty="0"/>
               <a:t> example</a:t>
             </a:r>
+          </a:p>
+        </p:txBody>
+      </p:sp>
+      <p:sp>
+        <p:nvSpPr>
+          <p:cNvPr id="4" name="TextBox 3">
+            <a:extLst>
+              <a:ext uri="{FF2B5EF4-FFF2-40B4-BE49-F238E27FC236}">
+                <a16:creationId xmlns:a16="http://schemas.microsoft.com/office/drawing/2014/main" id="{0FE17B89-6B5D-584C-8A81-183C46C40BB7}"/>
+              </a:ext>
+            </a:extLst>
+          </p:cNvPr>
+          <p:cNvSpPr txBox="1"/>
+          <p:nvPr/>
+        </p:nvSpPr>
+        <p:spPr>
+          <a:xfrm>
+            <a:off x="7119256" y="0"/>
+            <a:ext cx="2181497" cy="6848029"/>
+          </a:xfrm>
+          <a:prstGeom prst="rect">
+            <a:avLst/>
+          </a:prstGeom>
+          <a:solidFill>
+            <a:schemeClr val="bg1">
+              <a:lumMod val="95000"/>
+            </a:schemeClr>
+          </a:solidFill>
+        </p:spPr>
+        <p:txBody>
+          <a:bodyPr wrap="square" rtlCol="0">
+            <a:spAutoFit/>
+          </a:bodyPr>
+          <a:lstStyle/>
+          <a:p>
+            <a:pPr algn="ctr"/>
+            <a:r>
+              <a:rPr lang="en-US" sz="2400" b="1" dirty="0"/>
+              <a:t>Current types</a:t>
+            </a:r>
+          </a:p>
+          <a:p>
+            <a:pPr algn="ctr"/>
+            <a:endParaRPr lang="en-US" sz="100" dirty="0"/>
+          </a:p>
+          <a:p>
+            <a:r>
+              <a:rPr lang="en-US" dirty="0"/>
+              <a:t>Book</a:t>
+            </a:r>
+          </a:p>
+          <a:p>
+            <a:r>
+              <a:rPr lang="en-US" dirty="0" err="1"/>
+              <a:t>BookSeries</a:t>
+            </a:r>
+            <a:endParaRPr lang="en-US" dirty="0"/>
+          </a:p>
+          <a:p>
+            <a:r>
+              <a:rPr lang="en-US" dirty="0"/>
+              <a:t>Educational </a:t>
+            </a:r>
+            <a:br>
+              <a:rPr lang="en-US" dirty="0"/>
+            </a:br>
+            <a:r>
+              <a:rPr lang="en-US" dirty="0"/>
+              <a:t>   Organization</a:t>
+            </a:r>
+          </a:p>
+          <a:p>
+            <a:r>
+              <a:rPr lang="en-US" dirty="0"/>
+              <a:t>Event</a:t>
+            </a:r>
+          </a:p>
+          <a:p>
+            <a:r>
+              <a:rPr lang="en-US" dirty="0"/>
+              <a:t>Government   </a:t>
+            </a:r>
+            <a:br>
+              <a:rPr lang="en-US" dirty="0"/>
+            </a:br>
+            <a:r>
+              <a:rPr lang="en-US" dirty="0"/>
+              <a:t>  Organization</a:t>
+            </a:r>
+          </a:p>
+          <a:p>
+            <a:r>
+              <a:rPr lang="en-US" dirty="0" err="1"/>
+              <a:t>LocalBusiness</a:t>
+            </a:r>
+            <a:endParaRPr lang="en-US" dirty="0"/>
+          </a:p>
+          <a:p>
+            <a:r>
+              <a:rPr lang="en-US" dirty="0"/>
+              <a:t>Movie</a:t>
+            </a:r>
+          </a:p>
+          <a:p>
+            <a:r>
+              <a:rPr lang="en-US" dirty="0" err="1"/>
+              <a:t>MovieSeries</a:t>
+            </a:r>
+            <a:endParaRPr lang="en-US" dirty="0"/>
+          </a:p>
+          <a:p>
+            <a:r>
+              <a:rPr lang="en-US" dirty="0" err="1"/>
+              <a:t>MusicAlbum</a:t>
+            </a:r>
+            <a:endParaRPr lang="en-US" dirty="0"/>
+          </a:p>
+          <a:p>
+            <a:r>
+              <a:rPr lang="en-US" dirty="0" err="1"/>
+              <a:t>MusicGroup</a:t>
+            </a:r>
+            <a:endParaRPr lang="en-US" dirty="0"/>
+          </a:p>
+          <a:p>
+            <a:r>
+              <a:rPr lang="en-US" dirty="0" err="1"/>
+              <a:t>MusicRecording</a:t>
+            </a:r>
+            <a:endParaRPr lang="en-US" dirty="0"/>
+          </a:p>
+          <a:p>
+            <a:r>
+              <a:rPr lang="en-US" dirty="0"/>
+              <a:t>Organization</a:t>
+            </a:r>
+          </a:p>
+          <a:p>
+            <a:r>
+              <a:rPr lang="en-US" dirty="0"/>
+              <a:t>Periodical</a:t>
+            </a:r>
+          </a:p>
+          <a:p>
+            <a:r>
+              <a:rPr lang="en-US" dirty="0"/>
+              <a:t>Person</a:t>
+            </a:r>
+          </a:p>
+          <a:p>
+            <a:r>
+              <a:rPr lang="en-US" dirty="0"/>
+              <a:t>Place</a:t>
+            </a:r>
+          </a:p>
+          <a:p>
+            <a:r>
+              <a:rPr lang="en-US" dirty="0" err="1"/>
+              <a:t>SportsTeam</a:t>
+            </a:r>
+            <a:endParaRPr lang="en-US" dirty="0"/>
+          </a:p>
+          <a:p>
+            <a:r>
+              <a:rPr lang="en-US" dirty="0" err="1"/>
+              <a:t>TVEpisode</a:t>
+            </a:r>
+            <a:endParaRPr lang="en-US" dirty="0"/>
+          </a:p>
+          <a:p>
+            <a:r>
+              <a:rPr lang="en-US" dirty="0" err="1"/>
+              <a:t>TVSeries</a:t>
+            </a:r>
+            <a:endParaRPr lang="en-US" dirty="0"/>
+          </a:p>
+          <a:p>
+            <a:r>
+              <a:rPr lang="en-US" dirty="0" err="1"/>
+              <a:t>VideoGame</a:t>
+            </a:r>
+            <a:endParaRPr lang="en-US" dirty="0"/>
+          </a:p>
+          <a:p>
+            <a:r>
+              <a:rPr lang="en-US" dirty="0" err="1"/>
+              <a:t>VideoGameSeries</a:t>
+            </a:r>
+            <a:endParaRPr lang="en-US" dirty="0"/>
+          </a:p>
+          <a:p>
+            <a:r>
+              <a:rPr lang="en-US" dirty="0" err="1"/>
+              <a:t>WebSite</a:t>
+            </a:r>
+            <a:endParaRPr lang="en-US" dirty="0"/>
           </a:p>
         </p:txBody>
       </p:sp>
@@ -4851,7 +5132,7 @@
           <a:lstStyle/>
           <a:p>
             <a:r>
-              <a:rPr lang="en-US" dirty="0"/>
+              <a:rPr lang="en-US" b="1" dirty="0"/>
               <a:t>Experiment Online</a:t>
             </a:r>
           </a:p>
@@ -4926,13 +5207,7 @@
               <a:rPr lang="en-US" sz="3200" dirty="0">
                 <a:hlinkClick r:id="rId4"/>
               </a:rPr>
-              <a:t>bit.ly/</a:t>
-            </a:r>
-            <a:r>
-              <a:rPr lang="en-US" sz="3200" dirty="0" err="1">
-                <a:hlinkClick r:id="rId4"/>
-              </a:rPr>
-              <a:t>gkgClinton</a:t>
+              <a:t>bit.ly/gkgClinton</a:t>
             </a:r>
             <a:endParaRPr lang="en-US" sz="3200" dirty="0"/>
           </a:p>
